--- a/Презентация проекта видеоигры Mortal Fight.pptx
+++ b/Презентация проекта видеоигры Mortal Fight.pptx
@@ -10,10 +10,13 @@
     <p:sldId id="263" r:id="rId4"/>
     <p:sldId id="264" r:id="rId5"/>
     <p:sldId id="265" r:id="rId6"/>
-    <p:sldId id="266" r:id="rId7"/>
-    <p:sldId id="269" r:id="rId8"/>
-    <p:sldId id="267" r:id="rId9"/>
-    <p:sldId id="268" r:id="rId10"/>
+    <p:sldId id="270" r:id="rId7"/>
+    <p:sldId id="271" r:id="rId8"/>
+    <p:sldId id="272" r:id="rId9"/>
+    <p:sldId id="266" r:id="rId10"/>
+    <p:sldId id="269" r:id="rId11"/>
+    <p:sldId id="267" r:id="rId12"/>
+    <p:sldId id="268" r:id="rId13"/>
   </p:sldIdLst>
   <p:sldSz cx="9144000" cy="6858000" type="screen4x3"/>
   <p:notesSz cx="6858000" cy="9144000"/>
@@ -3875,43 +3878,7 @@
                   </a:outerShdw>
                 </a:effectLst>
               </a:rPr>
-              <a:t>Кл</a:t>
-            </a:r>
-            <a:r>
-              <a:rPr lang="ru-RU" dirty="0" err="1" smtClean="0">
-                <a:effectLst>
-                  <a:glow rad="63500">
-                    <a:schemeClr val="accent1">
-                      <a:satMod val="175000"/>
-                      <a:alpha val="40000"/>
-                    </a:schemeClr>
-                  </a:glow>
-                  <a:outerShdw blurRad="50800" dist="38100" dir="2700000" algn="tl" rotWithShape="0">
-                    <a:prstClr val="black">
-                      <a:alpha val="40000"/>
-                    </a:prstClr>
-                  </a:outerShdw>
-                </a:effectLst>
-              </a:rPr>
-              <a:t>и</a:t>
-            </a:r>
-            <a:r>
-              <a:rPr lang="ru-RU" dirty="0" err="1" smtClean="0">
-                <a:effectLst>
-                  <a:glow rad="63500">
-                    <a:schemeClr val="accent1">
-                      <a:satMod val="175000"/>
-                      <a:alpha val="40000"/>
-                    </a:schemeClr>
-                  </a:glow>
-                  <a:outerShdw blurRad="50800" dist="38100" dir="2700000" algn="tl" rotWithShape="0">
-                    <a:prstClr val="black">
-                      <a:alpha val="40000"/>
-                    </a:prstClr>
-                  </a:outerShdw>
-                </a:effectLst>
-              </a:rPr>
-              <a:t>сак</a:t>
+              <a:t>Клисак</a:t>
             </a:r>
             <a:r>
               <a:rPr lang="ru-RU" dirty="0" smtClean="0">
@@ -3929,25 +3896,7 @@
                   </a:outerShdw>
                 </a:effectLst>
               </a:rPr>
-              <a:t> </a:t>
-            </a:r>
-            <a:r>
-              <a:rPr lang="ru-RU" dirty="0" smtClean="0">
-                <a:effectLst>
-                  <a:glow rad="63500">
-                    <a:schemeClr val="accent1">
-                      <a:satMod val="175000"/>
-                      <a:alpha val="40000"/>
-                    </a:schemeClr>
-                  </a:glow>
-                  <a:outerShdw blurRad="50800" dist="38100" dir="2700000" algn="tl" rotWithShape="0">
-                    <a:prstClr val="black">
-                      <a:alpha val="40000"/>
-                    </a:prstClr>
-                  </a:outerShdw>
-                </a:effectLst>
-              </a:rPr>
-              <a:t>Викторович</a:t>
+              <a:t> Викторович</a:t>
             </a:r>
             <a:endParaRPr lang="ru-RU" dirty="0">
               <a:effectLst>
@@ -3974,6 +3923,698 @@
   </p:clrMapOvr>
   <p:transition>
     <p:fade thruBlk="1"/>
+  </p:transition>
+  <p:timing>
+    <p:tnLst>
+      <p:par>
+        <p:cTn id="1" dur="indefinite" restart="never" nodeType="tmRoot"/>
+      </p:par>
+    </p:tnLst>
+  </p:timing>
+</p:sld>
+</file>
+
+<file path=ppt/slides/slide10.xml><?xml version="1.0" encoding="utf-8"?>
+<p:sld xmlns:a="http://schemas.openxmlformats.org/drawingml/2006/main" xmlns:r="http://schemas.openxmlformats.org/officeDocument/2006/relationships" xmlns:p="http://schemas.openxmlformats.org/presentationml/2006/main">
+  <p:cSld>
+    <p:spTree>
+      <p:nvGrpSpPr>
+        <p:cNvPr id="1" name=""/>
+        <p:cNvGrpSpPr/>
+        <p:nvPr/>
+      </p:nvGrpSpPr>
+      <p:grpSpPr>
+        <a:xfrm>
+          <a:off x="0" y="0"/>
+          <a:ext cx="0" cy="0"/>
+          <a:chOff x="0" y="0"/>
+          <a:chExt cx="0" cy="0"/>
+        </a:xfrm>
+      </p:grpSpPr>
+      <p:pic>
+        <p:nvPicPr>
+          <p:cNvPr id="4098" name="Picture 2"/>
+          <p:cNvPicPr>
+            <a:picLocks noChangeAspect="1" noChangeArrowheads="1"/>
+          </p:cNvPicPr>
+          <p:nvPr/>
+        </p:nvPicPr>
+        <p:blipFill>
+          <a:blip r:embed="rId2"/>
+          <a:srcRect/>
+          <a:stretch>
+            <a:fillRect/>
+          </a:stretch>
+        </p:blipFill>
+        <p:spPr bwMode="auto">
+          <a:xfrm>
+            <a:off x="214282" y="1285860"/>
+            <a:ext cx="8633725" cy="4856400"/>
+          </a:xfrm>
+          <a:prstGeom prst="rect">
+            <a:avLst/>
+          </a:prstGeom>
+          <a:ln>
+            <a:noFill/>
+          </a:ln>
+          <a:effectLst>
+            <a:outerShdw blurRad="292100" dist="139700" dir="2700000" algn="tl" rotWithShape="0">
+              <a:srgbClr val="333333">
+                <a:alpha val="65000"/>
+              </a:srgbClr>
+            </a:outerShdw>
+          </a:effectLst>
+        </p:spPr>
+      </p:pic>
+      <p:sp>
+        <p:nvSpPr>
+          <p:cNvPr id="2" name="Заголовок 1"/>
+          <p:cNvSpPr>
+            <a:spLocks noGrp="1"/>
+          </p:cNvSpPr>
+          <p:nvPr>
+            <p:ph type="title"/>
+          </p:nvPr>
+        </p:nvSpPr>
+        <p:spPr>
+          <a:xfrm>
+            <a:off x="1928794" y="-357214"/>
+            <a:ext cx="8229600" cy="1399032"/>
+          </a:xfrm>
+        </p:spPr>
+        <p:txBody>
+          <a:bodyPr/>
+          <a:lstStyle/>
+          <a:p>
+            <a:r>
+              <a:rPr lang="ru-RU" dirty="0" smtClean="0"/>
+              <a:t>Процесс игры</a:t>
+            </a:r>
+            <a:endParaRPr lang="ru-RU" dirty="0"/>
+          </a:p>
+        </p:txBody>
+      </p:sp>
+      <p:sp>
+        <p:nvSpPr>
+          <p:cNvPr id="3" name="TextBox 2"/>
+          <p:cNvSpPr txBox="1"/>
+          <p:nvPr/>
+        </p:nvSpPr>
+        <p:spPr>
+          <a:xfrm>
+            <a:off x="3286116" y="571480"/>
+            <a:ext cx="2040943" cy="584775"/>
+          </a:xfrm>
+          <a:prstGeom prst="rect">
+            <a:avLst/>
+          </a:prstGeom>
+          <a:noFill/>
+        </p:spPr>
+        <p:txBody>
+          <a:bodyPr wrap="none" rtlCol="0">
+            <a:spAutoFit/>
+          </a:bodyPr>
+          <a:lstStyle/>
+          <a:p>
+            <a:r>
+              <a:rPr lang="ru-RU" sz="3200" dirty="0" err="1" smtClean="0">
+                <a:ln w="6350">
+                  <a:solidFill>
+                    <a:schemeClr val="accent1">
+                      <a:shade val="43000"/>
+                    </a:schemeClr>
+                  </a:solidFill>
+                </a:ln>
+                <a:solidFill>
+                  <a:schemeClr val="accent1">
+                    <a:tint val="83000"/>
+                    <a:satMod val="150000"/>
+                  </a:schemeClr>
+                </a:solidFill>
+                <a:effectLst>
+                  <a:outerShdw blurRad="26000" dist="26000" dir="14500000" algn="tl" rotWithShape="0">
+                    <a:srgbClr val="000000">
+                      <a:alpha val="40000"/>
+                    </a:srgbClr>
+                  </a:outerShdw>
+                </a:effectLst>
+                <a:latin typeface="+mj-lt"/>
+                <a:ea typeface="+mj-ea"/>
+                <a:cs typeface="+mj-cs"/>
+              </a:rPr>
+              <a:t>Выйгрыш</a:t>
+            </a:r>
+            <a:endParaRPr lang="ru-RU" sz="3200" dirty="0" smtClean="0">
+              <a:ln w="6350">
+                <a:solidFill>
+                  <a:schemeClr val="accent1">
+                    <a:shade val="43000"/>
+                  </a:schemeClr>
+                </a:solidFill>
+              </a:ln>
+              <a:solidFill>
+                <a:schemeClr val="accent1">
+                  <a:tint val="83000"/>
+                  <a:satMod val="150000"/>
+                </a:schemeClr>
+              </a:solidFill>
+              <a:effectLst>
+                <a:outerShdw blurRad="26000" dist="26000" dir="14500000" algn="tl" rotWithShape="0">
+                  <a:srgbClr val="000000">
+                    <a:alpha val="40000"/>
+                  </a:srgbClr>
+                </a:outerShdw>
+              </a:effectLst>
+              <a:latin typeface="+mj-lt"/>
+              <a:ea typeface="+mj-ea"/>
+              <a:cs typeface="+mj-cs"/>
+            </a:endParaRPr>
+          </a:p>
+        </p:txBody>
+      </p:sp>
+      <p:cxnSp>
+        <p:nvCxnSpPr>
+          <p:cNvPr id="6" name="Прямая со стрелкой 5"/>
+          <p:cNvCxnSpPr/>
+          <p:nvPr/>
+        </p:nvCxnSpPr>
+        <p:spPr>
+          <a:xfrm rot="5400000" flipH="1" flipV="1">
+            <a:off x="3571868" y="4857760"/>
+            <a:ext cx="857256" cy="857256"/>
+          </a:xfrm>
+          <a:prstGeom prst="straightConnector1">
+            <a:avLst/>
+          </a:prstGeom>
+          <a:ln>
+            <a:tailEnd type="arrow"/>
+          </a:ln>
+        </p:spPr>
+        <p:style>
+          <a:lnRef idx="3">
+            <a:schemeClr val="accent6"/>
+          </a:lnRef>
+          <a:fillRef idx="0">
+            <a:schemeClr val="accent6"/>
+          </a:fillRef>
+          <a:effectRef idx="2">
+            <a:schemeClr val="accent6"/>
+          </a:effectRef>
+          <a:fontRef idx="minor">
+            <a:schemeClr val="tx1"/>
+          </a:fontRef>
+        </p:style>
+      </p:cxnSp>
+      <p:sp>
+        <p:nvSpPr>
+          <p:cNvPr id="8" name="TextBox 7"/>
+          <p:cNvSpPr txBox="1"/>
+          <p:nvPr/>
+        </p:nvSpPr>
+        <p:spPr>
+          <a:xfrm>
+            <a:off x="2714612" y="5715016"/>
+            <a:ext cx="1779654" cy="261610"/>
+          </a:xfrm>
+          <a:prstGeom prst="rect">
+            <a:avLst/>
+          </a:prstGeom>
+          <a:noFill/>
+        </p:spPr>
+        <p:txBody>
+          <a:bodyPr wrap="none" rtlCol="0">
+            <a:spAutoFit/>
+          </a:bodyPr>
+          <a:lstStyle/>
+          <a:p>
+            <a:r>
+              <a:rPr lang="ru-RU" sz="1100" dirty="0" smtClean="0"/>
+              <a:t>Кнопка рестарта игры</a:t>
+            </a:r>
+            <a:endParaRPr lang="ru-RU" sz="1100" dirty="0"/>
+          </a:p>
+        </p:txBody>
+      </p:sp>
+      <p:cxnSp>
+        <p:nvCxnSpPr>
+          <p:cNvPr id="10" name="Прямая со стрелкой 9"/>
+          <p:cNvCxnSpPr/>
+          <p:nvPr/>
+        </p:nvCxnSpPr>
+        <p:spPr>
+          <a:xfrm>
+            <a:off x="3571868" y="3214686"/>
+            <a:ext cx="714380" cy="428628"/>
+          </a:xfrm>
+          <a:prstGeom prst="straightConnector1">
+            <a:avLst/>
+          </a:prstGeom>
+          <a:ln>
+            <a:tailEnd type="arrow"/>
+          </a:ln>
+        </p:spPr>
+        <p:style>
+          <a:lnRef idx="3">
+            <a:schemeClr val="accent6"/>
+          </a:lnRef>
+          <a:fillRef idx="0">
+            <a:schemeClr val="accent6"/>
+          </a:fillRef>
+          <a:effectRef idx="2">
+            <a:schemeClr val="accent6"/>
+          </a:effectRef>
+          <a:fontRef idx="minor">
+            <a:schemeClr val="tx1"/>
+          </a:fontRef>
+        </p:style>
+      </p:cxnSp>
+      <p:sp>
+        <p:nvSpPr>
+          <p:cNvPr id="12" name="TextBox 11"/>
+          <p:cNvSpPr txBox="1"/>
+          <p:nvPr/>
+        </p:nvSpPr>
+        <p:spPr>
+          <a:xfrm>
+            <a:off x="2143108" y="2928934"/>
+            <a:ext cx="1959191" cy="261610"/>
+          </a:xfrm>
+          <a:prstGeom prst="rect">
+            <a:avLst/>
+          </a:prstGeom>
+          <a:solidFill>
+            <a:schemeClr val="tx2">
+              <a:lumMod val="10000"/>
+            </a:schemeClr>
+          </a:solidFill>
+        </p:spPr>
+        <p:txBody>
+          <a:bodyPr wrap="none" rtlCol="0">
+            <a:spAutoFit/>
+          </a:bodyPr>
+          <a:lstStyle/>
+          <a:p>
+            <a:r>
+              <a:rPr lang="ru-RU" sz="1100" dirty="0" smtClean="0"/>
+              <a:t>Сообщение о </a:t>
+            </a:r>
+            <a:r>
+              <a:rPr lang="ru-RU" sz="1100" dirty="0" err="1" smtClean="0"/>
+              <a:t>выйгрыше</a:t>
+            </a:r>
+            <a:endParaRPr lang="ru-RU" sz="1100" dirty="0"/>
+          </a:p>
+        </p:txBody>
+      </p:sp>
+    </p:spTree>
+  </p:cSld>
+  <p:clrMapOvr>
+    <a:masterClrMapping/>
+  </p:clrMapOvr>
+  <p:transition>
+    <p:fade/>
+  </p:transition>
+  <p:timing>
+    <p:tnLst>
+      <p:par>
+        <p:cTn id="1" dur="indefinite" restart="never" nodeType="tmRoot"/>
+      </p:par>
+    </p:tnLst>
+  </p:timing>
+</p:sld>
+</file>
+
+<file path=ppt/slides/slide11.xml><?xml version="1.0" encoding="utf-8"?>
+<p:sld xmlns:a="http://schemas.openxmlformats.org/drawingml/2006/main" xmlns:r="http://schemas.openxmlformats.org/officeDocument/2006/relationships" xmlns:p="http://schemas.openxmlformats.org/presentationml/2006/main">
+  <p:cSld>
+    <p:bg>
+      <p:bgPr>
+        <a:blipFill dpi="0" rotWithShape="1">
+          <a:blip r:embed="rId2">
+            <a:lum/>
+          </a:blip>
+          <a:srcRect/>
+          <a:stretch>
+            <a:fillRect l="-27000" r="-27000"/>
+          </a:stretch>
+        </a:blipFill>
+        <a:effectLst/>
+      </p:bgPr>
+    </p:bg>
+    <p:spTree>
+      <p:nvGrpSpPr>
+        <p:cNvPr id="1" name=""/>
+        <p:cNvGrpSpPr/>
+        <p:nvPr/>
+      </p:nvGrpSpPr>
+      <p:grpSpPr>
+        <a:xfrm>
+          <a:off x="0" y="0"/>
+          <a:ext cx="0" cy="0"/>
+          <a:chOff x="0" y="0"/>
+          <a:chExt cx="0" cy="0"/>
+        </a:xfrm>
+      </p:grpSpPr>
+      <p:sp>
+        <p:nvSpPr>
+          <p:cNvPr id="2" name="Заголовок 1"/>
+          <p:cNvSpPr>
+            <a:spLocks noGrp="1"/>
+          </p:cNvSpPr>
+          <p:nvPr>
+            <p:ph type="title"/>
+          </p:nvPr>
+        </p:nvSpPr>
+        <p:spPr>
+          <a:xfrm>
+            <a:off x="0" y="-142900"/>
+            <a:ext cx="9144000" cy="1399032"/>
+          </a:xfrm>
+        </p:spPr>
+        <p:txBody>
+          <a:bodyPr>
+            <a:normAutofit/>
+          </a:bodyPr>
+          <a:lstStyle/>
+          <a:p>
+            <a:r>
+              <a:rPr lang="ru-RU" sz="3600" dirty="0" smtClean="0"/>
+              <a:t>Будущий вектор развития проекта</a:t>
+            </a:r>
+            <a:endParaRPr lang="ru-RU" sz="3600" dirty="0"/>
+          </a:p>
+        </p:txBody>
+      </p:sp>
+      <p:sp>
+        <p:nvSpPr>
+          <p:cNvPr id="3" name="TextBox 2"/>
+          <p:cNvSpPr txBox="1"/>
+          <p:nvPr/>
+        </p:nvSpPr>
+        <p:spPr>
+          <a:xfrm>
+            <a:off x="500034" y="1071546"/>
+            <a:ext cx="8693405" cy="923330"/>
+          </a:xfrm>
+          <a:prstGeom prst="rect">
+            <a:avLst/>
+          </a:prstGeom>
+          <a:noFill/>
+        </p:spPr>
+        <p:txBody>
+          <a:bodyPr wrap="none" rtlCol="0">
+            <a:spAutoFit/>
+          </a:bodyPr>
+          <a:lstStyle/>
+          <a:p>
+            <a:r>
+              <a:rPr lang="ru-RU" b="1" spc="50" dirty="0" smtClean="0">
+                <a:ln w="12700" cmpd="sng">
+                  <a:solidFill>
+                    <a:schemeClr val="accent6">
+                      <a:satMod val="120000"/>
+                      <a:shade val="80000"/>
+                    </a:schemeClr>
+                  </a:solidFill>
+                  <a:prstDash val="solid"/>
+                </a:ln>
+                <a:solidFill>
+                  <a:schemeClr val="accent6">
+                    <a:tint val="1000"/>
+                  </a:schemeClr>
+                </a:solidFill>
+                <a:effectLst>
+                  <a:glow rad="53100">
+                    <a:schemeClr val="accent6">
+                      <a:satMod val="180000"/>
+                      <a:alpha val="30000"/>
+                    </a:schemeClr>
+                  </a:glow>
+                </a:effectLst>
+              </a:rPr>
+              <a:t>Добавление новых игровых возможностей, </a:t>
+            </a:r>
+            <a:r>
+              <a:rPr lang="ru-RU" b="1" spc="50" dirty="0" smtClean="0">
+                <a:ln w="12700" cmpd="sng">
+                  <a:solidFill>
+                    <a:schemeClr val="accent6">
+                      <a:satMod val="120000"/>
+                      <a:shade val="80000"/>
+                    </a:schemeClr>
+                  </a:solidFill>
+                  <a:prstDash val="solid"/>
+                </a:ln>
+                <a:solidFill>
+                  <a:schemeClr val="accent6">
+                    <a:tint val="1000"/>
+                  </a:schemeClr>
+                </a:solidFill>
+                <a:effectLst>
+                  <a:glow rad="53100">
+                    <a:schemeClr val="accent6">
+                      <a:satMod val="180000"/>
+                      <a:alpha val="30000"/>
+                    </a:schemeClr>
+                  </a:glow>
+                </a:effectLst>
+              </a:rPr>
+              <a:t>оптимизация. В первую </a:t>
+            </a:r>
+            <a:endParaRPr lang="ru-RU" b="1" spc="50" dirty="0" smtClean="0">
+              <a:ln w="12700" cmpd="sng">
+                <a:solidFill>
+                  <a:schemeClr val="accent6">
+                    <a:satMod val="120000"/>
+                    <a:shade val="80000"/>
+                  </a:schemeClr>
+                </a:solidFill>
+                <a:prstDash val="solid"/>
+              </a:ln>
+              <a:solidFill>
+                <a:schemeClr val="accent6">
+                  <a:tint val="1000"/>
+                </a:schemeClr>
+              </a:solidFill>
+              <a:effectLst>
+                <a:glow rad="53100">
+                  <a:schemeClr val="accent6">
+                    <a:satMod val="180000"/>
+                    <a:alpha val="30000"/>
+                  </a:schemeClr>
+                </a:glow>
+              </a:effectLst>
+            </a:endParaRPr>
+          </a:p>
+          <a:p>
+            <a:r>
+              <a:rPr lang="ru-RU" b="1" spc="50" dirty="0" smtClean="0">
+                <a:ln w="12700" cmpd="sng">
+                  <a:solidFill>
+                    <a:schemeClr val="accent6">
+                      <a:satMod val="120000"/>
+                      <a:shade val="80000"/>
+                    </a:schemeClr>
+                  </a:solidFill>
+                  <a:prstDash val="solid"/>
+                </a:ln>
+                <a:solidFill>
+                  <a:schemeClr val="accent6">
+                    <a:tint val="1000"/>
+                  </a:schemeClr>
+                </a:solidFill>
+                <a:effectLst>
+                  <a:glow rad="53100">
+                    <a:schemeClr val="accent6">
+                      <a:satMod val="180000"/>
+                      <a:alpha val="30000"/>
+                    </a:schemeClr>
+                  </a:glow>
+                </a:effectLst>
+              </a:rPr>
+              <a:t>о</a:t>
+            </a:r>
+            <a:r>
+              <a:rPr lang="ru-RU" b="1" spc="50" dirty="0" smtClean="0">
+                <a:ln w="12700" cmpd="sng">
+                  <a:solidFill>
+                    <a:schemeClr val="accent6">
+                      <a:satMod val="120000"/>
+                      <a:shade val="80000"/>
+                    </a:schemeClr>
+                  </a:solidFill>
+                  <a:prstDash val="solid"/>
+                </a:ln>
+                <a:solidFill>
+                  <a:schemeClr val="accent6">
+                    <a:tint val="1000"/>
+                  </a:schemeClr>
+                </a:solidFill>
+                <a:effectLst>
+                  <a:glow rad="53100">
+                    <a:schemeClr val="accent6">
+                      <a:satMod val="180000"/>
+                      <a:alpha val="30000"/>
+                    </a:schemeClr>
+                  </a:glow>
+                </a:effectLst>
+              </a:rPr>
+              <a:t>чередь хочется добавить больше приёмов персонажам и сделать </a:t>
+            </a:r>
+          </a:p>
+          <a:p>
+            <a:r>
+              <a:rPr lang="ru-RU" b="1" spc="50" dirty="0" smtClean="0">
+                <a:ln w="12700" cmpd="sng">
+                  <a:solidFill>
+                    <a:schemeClr val="accent6">
+                      <a:satMod val="120000"/>
+                      <a:shade val="80000"/>
+                    </a:schemeClr>
+                  </a:solidFill>
+                  <a:prstDash val="solid"/>
+                </a:ln>
+                <a:solidFill>
+                  <a:schemeClr val="accent6">
+                    <a:tint val="1000"/>
+                  </a:schemeClr>
+                </a:solidFill>
+                <a:effectLst>
+                  <a:glow rad="53100">
+                    <a:schemeClr val="accent6">
+                      <a:satMod val="180000"/>
+                      <a:alpha val="30000"/>
+                    </a:schemeClr>
+                  </a:glow>
+                </a:effectLst>
+              </a:rPr>
+              <a:t>н</a:t>
+            </a:r>
+            <a:r>
+              <a:rPr lang="ru-RU" b="1" spc="50" dirty="0" smtClean="0">
+                <a:ln w="12700" cmpd="sng">
+                  <a:solidFill>
+                    <a:schemeClr val="accent6">
+                      <a:satMod val="120000"/>
+                      <a:shade val="80000"/>
+                    </a:schemeClr>
+                  </a:solidFill>
+                  <a:prstDash val="solid"/>
+                </a:ln>
+                <a:solidFill>
+                  <a:schemeClr val="accent6">
+                    <a:tint val="1000"/>
+                  </a:schemeClr>
+                </a:solidFill>
+                <a:effectLst>
+                  <a:glow rad="53100">
+                    <a:schemeClr val="accent6">
+                      <a:satMod val="180000"/>
+                      <a:alpha val="30000"/>
+                    </a:schemeClr>
+                  </a:glow>
+                </a:effectLst>
+              </a:rPr>
+              <a:t>есколько раундов в игре.</a:t>
+            </a:r>
+            <a:endParaRPr lang="ru-RU" b="1" spc="50" dirty="0">
+              <a:ln w="12700" cmpd="sng">
+                <a:solidFill>
+                  <a:schemeClr val="accent6">
+                    <a:satMod val="120000"/>
+                    <a:shade val="80000"/>
+                  </a:schemeClr>
+                </a:solidFill>
+                <a:prstDash val="solid"/>
+              </a:ln>
+              <a:solidFill>
+                <a:schemeClr val="accent6">
+                  <a:tint val="1000"/>
+                </a:schemeClr>
+              </a:solidFill>
+              <a:effectLst>
+                <a:glow rad="53100">
+                  <a:schemeClr val="accent6">
+                    <a:satMod val="180000"/>
+                    <a:alpha val="30000"/>
+                  </a:schemeClr>
+                </a:glow>
+              </a:effectLst>
+            </a:endParaRPr>
+          </a:p>
+        </p:txBody>
+      </p:sp>
+    </p:spTree>
+  </p:cSld>
+  <p:clrMapOvr>
+    <a:masterClrMapping/>
+  </p:clrMapOvr>
+  <p:transition>
+    <p:fade/>
+  </p:transition>
+  <p:timing>
+    <p:tnLst>
+      <p:par>
+        <p:cTn id="1" dur="indefinite" restart="never" nodeType="tmRoot"/>
+      </p:par>
+    </p:tnLst>
+  </p:timing>
+</p:sld>
+</file>
+
+<file path=ppt/slides/slide12.xml><?xml version="1.0" encoding="utf-8"?>
+<p:sld xmlns:a="http://schemas.openxmlformats.org/drawingml/2006/main" xmlns:r="http://schemas.openxmlformats.org/officeDocument/2006/relationships" xmlns:p="http://schemas.openxmlformats.org/presentationml/2006/main">
+  <p:cSld>
+    <p:spTree>
+      <p:nvGrpSpPr>
+        <p:cNvPr id="1" name=""/>
+        <p:cNvGrpSpPr/>
+        <p:nvPr/>
+      </p:nvGrpSpPr>
+      <p:grpSpPr>
+        <a:xfrm>
+          <a:off x="0" y="0"/>
+          <a:ext cx="0" cy="0"/>
+          <a:chOff x="0" y="0"/>
+          <a:chExt cx="0" cy="0"/>
+        </a:xfrm>
+      </p:grpSpPr>
+      <p:sp>
+        <p:nvSpPr>
+          <p:cNvPr id="2" name="Заголовок 1"/>
+          <p:cNvSpPr>
+            <a:spLocks noGrp="1"/>
+          </p:cNvSpPr>
+          <p:nvPr>
+            <p:ph type="title"/>
+          </p:nvPr>
+        </p:nvSpPr>
+        <p:spPr>
+          <a:xfrm>
+            <a:off x="285720" y="2143116"/>
+            <a:ext cx="8229600" cy="1399032"/>
+          </a:xfrm>
+        </p:spPr>
+        <p:txBody>
+          <a:bodyPr/>
+          <a:lstStyle/>
+          <a:p>
+            <a:pPr algn="ctr"/>
+            <a:r>
+              <a:rPr lang="ru-RU" dirty="0" smtClean="0"/>
+              <a:t>Спасибо за внимание!</a:t>
+            </a:r>
+            <a:endParaRPr lang="ru-RU" dirty="0"/>
+          </a:p>
+        </p:txBody>
+      </p:sp>
+    </p:spTree>
+  </p:cSld>
+  <p:clrMapOvr>
+    <a:masterClrMapping/>
+  </p:clrMapOvr>
+  <p:transition>
+    <p:fade/>
   </p:transition>
   <p:timing>
     <p:tnLst>
@@ -5399,9 +6040,39 @@
           <a:chExt cx="0" cy="0"/>
         </a:xfrm>
       </p:grpSpPr>
+      <p:sp>
+        <p:nvSpPr>
+          <p:cNvPr id="2" name="Заголовок 1"/>
+          <p:cNvSpPr>
+            <a:spLocks noGrp="1"/>
+          </p:cNvSpPr>
+          <p:nvPr>
+            <p:ph type="title"/>
+          </p:nvPr>
+        </p:nvSpPr>
+        <p:spPr>
+          <a:xfrm>
+            <a:off x="1214414" y="-214338"/>
+            <a:ext cx="8229600" cy="1399032"/>
+          </a:xfrm>
+        </p:spPr>
+        <p:txBody>
+          <a:bodyPr>
+            <a:normAutofit/>
+          </a:bodyPr>
+          <a:lstStyle/>
+          <a:p>
+            <a:r>
+              <a:rPr lang="ru-RU" sz="2800" dirty="0" smtClean="0"/>
+              <a:t>Окно с раскладкой управления</a:t>
+            </a:r>
+            <a:endParaRPr lang="ru-RU" sz="2800" dirty="0"/>
+          </a:p>
+        </p:txBody>
+      </p:sp>
       <p:pic>
         <p:nvPicPr>
-          <p:cNvPr id="2050" name="Picture 2"/>
+          <p:cNvPr id="1026" name="Picture 2"/>
           <p:cNvPicPr>
             <a:picLocks noChangeAspect="1" noChangeArrowheads="1"/>
           </p:cNvPicPr>
@@ -5416,158 +6087,34 @@
         </p:blipFill>
         <p:spPr bwMode="auto">
           <a:xfrm>
-            <a:off x="214282" y="1357298"/>
-            <a:ext cx="8633725" cy="4856400"/>
+            <a:off x="357158" y="1071546"/>
+            <a:ext cx="8320120" cy="4680000"/>
           </a:xfrm>
           <a:prstGeom prst="rect">
             <a:avLst/>
           </a:prstGeom>
-          <a:noFill/>
-          <a:ln w="9525">
+          <a:ln>
             <a:noFill/>
-            <a:miter lim="800000"/>
-            <a:headEnd/>
-            <a:tailEnd/>
           </a:ln>
-          <a:effectLst/>
+          <a:effectLst>
+            <a:outerShdw blurRad="292100" dist="139700" dir="2700000" algn="tl" rotWithShape="0">
+              <a:srgbClr val="333333">
+                <a:alpha val="65000"/>
+              </a:srgbClr>
+            </a:outerShdw>
+          </a:effectLst>
         </p:spPr>
       </p:pic>
-      <p:sp>
-        <p:nvSpPr>
-          <p:cNvPr id="2" name="Заголовок 1"/>
-          <p:cNvSpPr>
-            <a:spLocks noGrp="1"/>
-          </p:cNvSpPr>
-          <p:nvPr>
-            <p:ph type="title"/>
-          </p:nvPr>
-        </p:nvSpPr>
-        <p:spPr>
-          <a:xfrm>
-            <a:off x="1714480" y="-357214"/>
-            <a:ext cx="8229600" cy="1399032"/>
-          </a:xfrm>
-        </p:spPr>
-        <p:txBody>
-          <a:bodyPr/>
-          <a:lstStyle/>
-          <a:p>
-            <a:r>
-              <a:rPr lang="ru-RU" dirty="0" smtClean="0"/>
-              <a:t>Процесс игры</a:t>
-            </a:r>
-            <a:endParaRPr lang="ru-RU" dirty="0"/>
-          </a:p>
-        </p:txBody>
-      </p:sp>
-      <p:sp>
-        <p:nvSpPr>
-          <p:cNvPr id="5" name="Заголовок 1"/>
-          <p:cNvSpPr txBox="1">
-            <a:spLocks/>
-          </p:cNvSpPr>
-          <p:nvPr/>
-        </p:nvSpPr>
-        <p:spPr>
-          <a:xfrm>
-            <a:off x="2500298" y="142852"/>
-            <a:ext cx="8229600" cy="1399032"/>
-          </a:xfrm>
-          <a:prstGeom prst="rect">
-            <a:avLst/>
-          </a:prstGeom>
-        </p:spPr>
-        <p:txBody>
-          <a:bodyPr vert="horz" anchor="ctr">
-            <a:normAutofit/>
-          </a:bodyPr>
-          <a:lstStyle/>
-          <a:p>
-            <a:pPr marL="484632" marR="0" lvl="0" indent="0" algn="l" defTabSz="914400" rtl="0" eaLnBrk="1" fontAlgn="auto" latinLnBrk="0" hangingPunct="1">
-              <a:lnSpc>
-                <a:spcPct val="100000"/>
-              </a:lnSpc>
-              <a:spcBef>
-                <a:spcPct val="0"/>
-              </a:spcBef>
-              <a:spcAft>
-                <a:spcPts val="0"/>
-              </a:spcAft>
-              <a:buClrTx/>
-              <a:buSzTx/>
-              <a:buFontTx/>
-              <a:buNone/>
-              <a:tabLst/>
-              <a:defRPr/>
-            </a:pPr>
-            <a:r>
-              <a:rPr lang="ru-RU" sz="4200" dirty="0" smtClean="0">
-                <a:ln w="6350">
-                  <a:solidFill>
-                    <a:schemeClr val="accent1">
-                      <a:shade val="43000"/>
-                    </a:schemeClr>
-                  </a:solidFill>
-                </a:ln>
-                <a:solidFill>
-                  <a:schemeClr val="accent1">
-                    <a:tint val="83000"/>
-                    <a:satMod val="150000"/>
-                  </a:schemeClr>
-                </a:solidFill>
-                <a:effectLst>
-                  <a:outerShdw blurRad="26000" dist="26000" dir="14500000" algn="tl" rotWithShape="0">
-                    <a:srgbClr val="000000">
-                      <a:alpha val="40000"/>
-                    </a:srgbClr>
-                  </a:outerShdw>
-                </a:effectLst>
-                <a:latin typeface="+mj-lt"/>
-                <a:ea typeface="+mj-ea"/>
-                <a:cs typeface="+mj-cs"/>
-              </a:rPr>
-              <a:t>Начало</a:t>
-            </a:r>
-            <a:endParaRPr kumimoji="0" lang="ru-RU" sz="4200" b="0" i="0" u="none" strike="noStrike" kern="1200" cap="none" spc="0" normalizeH="0" baseline="0" noProof="0" dirty="0">
-              <a:ln w="6350">
-                <a:solidFill>
-                  <a:schemeClr val="accent1">
-                    <a:shade val="43000"/>
-                  </a:schemeClr>
-                </a:solidFill>
-              </a:ln>
-              <a:solidFill>
-                <a:schemeClr val="accent1">
-                  <a:tint val="83000"/>
-                  <a:satMod val="150000"/>
-                </a:schemeClr>
-              </a:solidFill>
-              <a:effectLst>
-                <a:outerShdw blurRad="26000" dist="26000" dir="14500000" algn="tl" rotWithShape="0">
-                  <a:srgbClr val="000000">
-                    <a:alpha val="40000"/>
-                  </a:srgbClr>
-                </a:outerShdw>
-              </a:effectLst>
-              <a:uLnTx/>
-              <a:uFillTx/>
-              <a:latin typeface="+mj-lt"/>
-              <a:ea typeface="+mj-ea"/>
-              <a:cs typeface="+mj-cs"/>
-            </a:endParaRPr>
-          </a:p>
-        </p:txBody>
-      </p:sp>
       <p:cxnSp>
         <p:nvCxnSpPr>
-          <p:cNvPr id="7" name="Прямая со стрелкой 6"/>
+          <p:cNvPr id="5" name="Прямая со стрелкой 4"/>
           <p:cNvCxnSpPr/>
           <p:nvPr/>
         </p:nvCxnSpPr>
         <p:spPr>
           <a:xfrm rot="5400000" flipH="1" flipV="1">
-            <a:off x="3929058" y="1571612"/>
-            <a:ext cx="500066" cy="500066"/>
+            <a:off x="4822033" y="1464455"/>
+            <a:ext cx="571504" cy="357190"/>
           </a:xfrm>
           <a:prstGeom prst="straightConnector1">
             <a:avLst/>
@@ -5593,23 +6140,19 @@
       </p:cxnSp>
       <p:sp>
         <p:nvSpPr>
-          <p:cNvPr id="10" name="TextBox 9"/>
+          <p:cNvPr id="7" name="TextBox 6"/>
           <p:cNvSpPr txBox="1"/>
           <p:nvPr/>
         </p:nvSpPr>
         <p:spPr>
           <a:xfrm>
-            <a:off x="3071802" y="2143116"/>
-            <a:ext cx="1733167" cy="261610"/>
+            <a:off x="4286248" y="1785926"/>
+            <a:ext cx="1412566" cy="430887"/>
           </a:xfrm>
           <a:prstGeom prst="rect">
             <a:avLst/>
           </a:prstGeom>
-          <a:solidFill>
-            <a:schemeClr val="tx2">
-              <a:lumMod val="10000"/>
-            </a:schemeClr>
-          </a:solidFill>
+          <a:noFill/>
         </p:spPr>
         <p:txBody>
           <a:bodyPr wrap="none" rtlCol="0">
@@ -5619,70 +6162,13 @@
           <a:p>
             <a:r>
               <a:rPr lang="ru-RU" sz="1100" dirty="0" smtClean="0"/>
-              <a:t>Возвращение в меню</a:t>
-            </a:r>
-            <a:endParaRPr lang="ru-RU" sz="1100" dirty="0"/>
-          </a:p>
-        </p:txBody>
-      </p:sp>
-      <p:cxnSp>
-        <p:nvCxnSpPr>
-          <p:cNvPr id="13" name="Прямая со стрелкой 12"/>
-          <p:cNvCxnSpPr/>
-          <p:nvPr/>
-        </p:nvCxnSpPr>
-        <p:spPr>
-          <a:xfrm rot="10800000">
-            <a:off x="4929190" y="1643050"/>
-            <a:ext cx="500066" cy="428628"/>
-          </a:xfrm>
-          <a:prstGeom prst="straightConnector1">
-            <a:avLst/>
-          </a:prstGeom>
-          <a:ln>
-            <a:tailEnd type="arrow"/>
-          </a:ln>
-        </p:spPr>
-        <p:style>
-          <a:lnRef idx="3">
-            <a:schemeClr val="accent6"/>
-          </a:lnRef>
-          <a:fillRef idx="0">
-            <a:schemeClr val="accent6"/>
-          </a:fillRef>
-          <a:effectRef idx="2">
-            <a:schemeClr val="accent6"/>
-          </a:effectRef>
-          <a:fontRef idx="minor">
-            <a:schemeClr val="tx1"/>
-          </a:fontRef>
-        </p:style>
-      </p:cxnSp>
-      <p:sp>
-        <p:nvSpPr>
-          <p:cNvPr id="15" name="TextBox 14"/>
-          <p:cNvSpPr txBox="1"/>
-          <p:nvPr/>
-        </p:nvSpPr>
-        <p:spPr>
-          <a:xfrm>
-            <a:off x="5214942" y="2000240"/>
-            <a:ext cx="607859" cy="261610"/>
-          </a:xfrm>
-          <a:prstGeom prst="rect">
-            <a:avLst/>
-          </a:prstGeom>
-          <a:noFill/>
-        </p:spPr>
-        <p:txBody>
-          <a:bodyPr wrap="none" rtlCol="0">
-            <a:spAutoFit/>
-          </a:bodyPr>
-          <a:lstStyle/>
+              <a:t>Закрытие </a:t>
+            </a:r>
+          </a:p>
           <a:p>
             <a:r>
               <a:rPr lang="ru-RU" sz="1100" dirty="0" smtClean="0"/>
-              <a:t>Пауза</a:t>
+              <a:t>меню раскладки</a:t>
             </a:r>
             <a:endParaRPr lang="ru-RU" sz="1100" dirty="0"/>
           </a:p>
@@ -5723,16 +6209,44 @@
           <a:chExt cx="0" cy="0"/>
         </a:xfrm>
       </p:grpSpPr>
+      <p:sp>
+        <p:nvSpPr>
+          <p:cNvPr id="2" name="Заголовок 1"/>
+          <p:cNvSpPr>
+            <a:spLocks noGrp="1"/>
+          </p:cNvSpPr>
+          <p:nvPr>
+            <p:ph type="title"/>
+          </p:nvPr>
+        </p:nvSpPr>
+        <p:spPr>
+          <a:xfrm>
+            <a:off x="2928926" y="-285776"/>
+            <a:ext cx="8229600" cy="1399032"/>
+          </a:xfrm>
+        </p:spPr>
+        <p:txBody>
+          <a:bodyPr/>
+          <a:lstStyle/>
+          <a:p>
+            <a:r>
+              <a:rPr lang="ru-RU" dirty="0" smtClean="0"/>
+              <a:t>Арены</a:t>
+            </a:r>
+            <a:endParaRPr lang="ru-RU" dirty="0"/>
+          </a:p>
+        </p:txBody>
+      </p:sp>
       <p:pic>
         <p:nvPicPr>
-          <p:cNvPr id="1027" name="Picture 3"/>
+          <p:cNvPr id="2050" name="Picture 2" descr="C:\Users\User\pc_projects\pythonProject4\arenas\location.jpg"/>
           <p:cNvPicPr>
             <a:picLocks noChangeAspect="1" noChangeArrowheads="1"/>
           </p:cNvPicPr>
           <p:nvPr/>
         </p:nvPicPr>
         <p:blipFill>
-          <a:blip r:embed="rId2"/>
+          <a:blip r:embed="rId2" cstate="print"/>
           <a:srcRect/>
           <a:stretch>
             <a:fillRect/>
@@ -5740,262 +6254,119 @@
         </p:blipFill>
         <p:spPr bwMode="auto">
           <a:xfrm>
-            <a:off x="214282" y="1357298"/>
-            <a:ext cx="8633725" cy="4856400"/>
+            <a:off x="785786" y="785794"/>
+            <a:ext cx="3200000" cy="1800000"/>
           </a:xfrm>
           <a:prstGeom prst="rect">
             <a:avLst/>
           </a:prstGeom>
           <a:noFill/>
-          <a:ln w="9525">
-            <a:noFill/>
-            <a:miter lim="800000"/>
-            <a:headEnd/>
-            <a:tailEnd/>
-          </a:ln>
-          <a:effectLst/>
         </p:spPr>
       </p:pic>
-      <p:sp>
-        <p:nvSpPr>
-          <p:cNvPr id="2" name="Заголовок 1"/>
-          <p:cNvSpPr>
-            <a:spLocks noGrp="1"/>
-          </p:cNvSpPr>
-          <p:nvPr>
-            <p:ph type="title"/>
-          </p:nvPr>
-        </p:nvSpPr>
-        <p:spPr>
-          <a:xfrm>
-            <a:off x="1928794" y="-357214"/>
-            <a:ext cx="8229600" cy="1399032"/>
-          </a:xfrm>
-        </p:spPr>
-        <p:txBody>
-          <a:bodyPr/>
-          <a:lstStyle/>
-          <a:p>
-            <a:r>
-              <a:rPr lang="ru-RU" dirty="0" smtClean="0"/>
-              <a:t>Процесс игры</a:t>
-            </a:r>
-            <a:endParaRPr lang="ru-RU" dirty="0"/>
-          </a:p>
-        </p:txBody>
-      </p:sp>
-      <p:sp>
-        <p:nvSpPr>
-          <p:cNvPr id="3" name="TextBox 2"/>
-          <p:cNvSpPr txBox="1"/>
-          <p:nvPr/>
-        </p:nvSpPr>
-        <p:spPr>
-          <a:xfrm>
-            <a:off x="3286116" y="571480"/>
-            <a:ext cx="2040943" cy="584775"/>
+      <p:pic>
+        <p:nvPicPr>
+          <p:cNvPr id="2051" name="Picture 3" descr="C:\Users\User\pc_projects\pythonProject4\arenas\location1.jpg"/>
+          <p:cNvPicPr>
+            <a:picLocks noChangeAspect="1" noChangeArrowheads="1"/>
+          </p:cNvPicPr>
+          <p:nvPr/>
+        </p:nvPicPr>
+        <p:blipFill>
+          <a:blip r:embed="rId3" cstate="print"/>
+          <a:srcRect/>
+          <a:stretch>
+            <a:fillRect/>
+          </a:stretch>
+        </p:blipFill>
+        <p:spPr bwMode="auto">
+          <a:xfrm>
+            <a:off x="5072066" y="785794"/>
+            <a:ext cx="3200000" cy="1800000"/>
           </a:xfrm>
           <a:prstGeom prst="rect">
             <a:avLst/>
           </a:prstGeom>
           <a:noFill/>
         </p:spPr>
-        <p:txBody>
-          <a:bodyPr wrap="none" rtlCol="0">
-            <a:spAutoFit/>
-          </a:bodyPr>
-          <a:lstStyle/>
-          <a:p>
-            <a:r>
-              <a:rPr lang="ru-RU" sz="3200" dirty="0" err="1" smtClean="0">
-                <a:ln w="6350">
-                  <a:solidFill>
-                    <a:schemeClr val="accent1">
-                      <a:shade val="43000"/>
-                    </a:schemeClr>
-                  </a:solidFill>
-                </a:ln>
-                <a:solidFill>
-                  <a:schemeClr val="accent1">
-                    <a:tint val="83000"/>
-                    <a:satMod val="150000"/>
-                  </a:schemeClr>
-                </a:solidFill>
-                <a:effectLst>
-                  <a:outerShdw blurRad="26000" dist="26000" dir="14500000" algn="tl" rotWithShape="0">
-                    <a:srgbClr val="000000">
-                      <a:alpha val="40000"/>
-                    </a:srgbClr>
-                  </a:outerShdw>
-                </a:effectLst>
-                <a:latin typeface="+mj-lt"/>
-                <a:ea typeface="+mj-ea"/>
-                <a:cs typeface="+mj-cs"/>
-              </a:rPr>
-              <a:t>Выйгрыш</a:t>
-            </a:r>
-            <a:endParaRPr lang="ru-RU" sz="3200" dirty="0" smtClean="0">
-              <a:ln w="6350">
-                <a:solidFill>
-                  <a:schemeClr val="accent1">
-                    <a:shade val="43000"/>
-                  </a:schemeClr>
-                </a:solidFill>
-              </a:ln>
-              <a:solidFill>
-                <a:schemeClr val="accent1">
-                  <a:tint val="83000"/>
-                  <a:satMod val="150000"/>
-                </a:schemeClr>
-              </a:solidFill>
-              <a:effectLst>
-                <a:outerShdw blurRad="26000" dist="26000" dir="14500000" algn="tl" rotWithShape="0">
-                  <a:srgbClr val="000000">
-                    <a:alpha val="40000"/>
-                  </a:srgbClr>
-                </a:outerShdw>
-              </a:effectLst>
-              <a:latin typeface="+mj-lt"/>
-              <a:ea typeface="+mj-ea"/>
-              <a:cs typeface="+mj-cs"/>
-            </a:endParaRPr>
-          </a:p>
-        </p:txBody>
-      </p:sp>
-      <p:cxnSp>
-        <p:nvCxnSpPr>
-          <p:cNvPr id="6" name="Прямая со стрелкой 5"/>
-          <p:cNvCxnSpPr/>
-          <p:nvPr/>
-        </p:nvCxnSpPr>
-        <p:spPr>
-          <a:xfrm rot="5400000" flipH="1" flipV="1">
-            <a:off x="3571868" y="4857760"/>
-            <a:ext cx="857256" cy="857256"/>
-          </a:xfrm>
-          <a:prstGeom prst="straightConnector1">
-            <a:avLst/>
-          </a:prstGeom>
-          <a:ln>
-            <a:tailEnd type="arrow"/>
-          </a:ln>
-        </p:spPr>
-        <p:style>
-          <a:lnRef idx="3">
-            <a:schemeClr val="accent6"/>
-          </a:lnRef>
-          <a:fillRef idx="0">
-            <a:schemeClr val="accent6"/>
-          </a:fillRef>
-          <a:effectRef idx="2">
-            <a:schemeClr val="accent6"/>
-          </a:effectRef>
-          <a:fontRef idx="minor">
-            <a:schemeClr val="tx1"/>
-          </a:fontRef>
-        </p:style>
-      </p:cxnSp>
-      <p:sp>
-        <p:nvSpPr>
-          <p:cNvPr id="8" name="TextBox 7"/>
-          <p:cNvSpPr txBox="1"/>
-          <p:nvPr/>
-        </p:nvSpPr>
-        <p:spPr>
-          <a:xfrm>
-            <a:off x="2714612" y="5715016"/>
-            <a:ext cx="1779654" cy="261610"/>
+      </p:pic>
+      <p:pic>
+        <p:nvPicPr>
+          <p:cNvPr id="2052" name="Picture 4" descr="C:\Users\User\pc_projects\pythonProject4\arenas\location2.jpg"/>
+          <p:cNvPicPr>
+            <a:picLocks noChangeAspect="1" noChangeArrowheads="1"/>
+          </p:cNvPicPr>
+          <p:nvPr/>
+        </p:nvPicPr>
+        <p:blipFill>
+          <a:blip r:embed="rId4" cstate="print"/>
+          <a:srcRect/>
+          <a:stretch>
+            <a:fillRect/>
+          </a:stretch>
+        </p:blipFill>
+        <p:spPr bwMode="auto">
+          <a:xfrm>
+            <a:off x="5072066" y="3000372"/>
+            <a:ext cx="3200000" cy="1800000"/>
           </a:xfrm>
           <a:prstGeom prst="rect">
             <a:avLst/>
           </a:prstGeom>
           <a:noFill/>
         </p:spPr>
-        <p:txBody>
-          <a:bodyPr wrap="none" rtlCol="0">
-            <a:spAutoFit/>
-          </a:bodyPr>
-          <a:lstStyle/>
-          <a:p>
-            <a:r>
-              <a:rPr lang="ru-RU" sz="1100" dirty="0" smtClean="0"/>
-              <a:t>Кнопка рестарта игры</a:t>
-            </a:r>
-            <a:endParaRPr lang="ru-RU" sz="1100" dirty="0"/>
-          </a:p>
-        </p:txBody>
-      </p:sp>
-      <p:cxnSp>
-        <p:nvCxnSpPr>
-          <p:cNvPr id="10" name="Прямая со стрелкой 9"/>
-          <p:cNvCxnSpPr/>
-          <p:nvPr/>
-        </p:nvCxnSpPr>
-        <p:spPr>
-          <a:xfrm>
-            <a:off x="3571868" y="3214686"/>
-            <a:ext cx="714380" cy="428628"/>
-          </a:xfrm>
-          <a:prstGeom prst="straightConnector1">
-            <a:avLst/>
-          </a:prstGeom>
-          <a:ln>
-            <a:tailEnd type="arrow"/>
-          </a:ln>
-        </p:spPr>
-        <p:style>
-          <a:lnRef idx="3">
-            <a:schemeClr val="accent6"/>
-          </a:lnRef>
-          <a:fillRef idx="0">
-            <a:schemeClr val="accent6"/>
-          </a:fillRef>
-          <a:effectRef idx="2">
-            <a:schemeClr val="accent6"/>
-          </a:effectRef>
-          <a:fontRef idx="minor">
-            <a:schemeClr val="tx1"/>
-          </a:fontRef>
-        </p:style>
-      </p:cxnSp>
-      <p:sp>
-        <p:nvSpPr>
-          <p:cNvPr id="12" name="TextBox 11"/>
-          <p:cNvSpPr txBox="1"/>
-          <p:nvPr/>
-        </p:nvSpPr>
-        <p:spPr>
-          <a:xfrm>
-            <a:off x="2143108" y="2928934"/>
-            <a:ext cx="1959191" cy="261610"/>
+      </p:pic>
+      <p:pic>
+        <p:nvPicPr>
+          <p:cNvPr id="2053" name="Picture 5" descr="C:\Users\User\pc_projects\pythonProject4\arenas\location3.jpg"/>
+          <p:cNvPicPr>
+            <a:picLocks noChangeAspect="1" noChangeArrowheads="1"/>
+          </p:cNvPicPr>
+          <p:nvPr/>
+        </p:nvPicPr>
+        <p:blipFill>
+          <a:blip r:embed="rId5" cstate="print"/>
+          <a:srcRect/>
+          <a:stretch>
+            <a:fillRect/>
+          </a:stretch>
+        </p:blipFill>
+        <p:spPr bwMode="auto">
+          <a:xfrm>
+            <a:off x="785786" y="2928934"/>
+            <a:ext cx="3200000" cy="1800000"/>
           </a:xfrm>
           <a:prstGeom prst="rect">
             <a:avLst/>
           </a:prstGeom>
-          <a:solidFill>
-            <a:schemeClr val="tx2">
-              <a:lumMod val="10000"/>
-            </a:schemeClr>
-          </a:solidFill>
-        </p:spPr>
-        <p:txBody>
-          <a:bodyPr wrap="none" rtlCol="0">
-            <a:spAutoFit/>
-          </a:bodyPr>
-          <a:lstStyle/>
-          <a:p>
-            <a:r>
-              <a:rPr lang="ru-RU" sz="1100" dirty="0" smtClean="0"/>
-              <a:t>Сообщение о </a:t>
-            </a:r>
-            <a:r>
-              <a:rPr lang="ru-RU" sz="1100" dirty="0" err="1" smtClean="0"/>
-              <a:t>выйгрыше</a:t>
-            </a:r>
-            <a:endParaRPr lang="ru-RU" sz="1100" dirty="0"/>
-          </a:p>
-        </p:txBody>
-      </p:sp>
+          <a:noFill/>
+        </p:spPr>
+      </p:pic>
+      <p:pic>
+        <p:nvPicPr>
+          <p:cNvPr id="2054" name="Picture 6" descr="C:\Users\User\pc_projects\pythonProject4\arenas\location4.jpg"/>
+          <p:cNvPicPr>
+            <a:picLocks noChangeAspect="1" noChangeArrowheads="1"/>
+          </p:cNvPicPr>
+          <p:nvPr/>
+        </p:nvPicPr>
+        <p:blipFill>
+          <a:blip r:embed="rId6" cstate="print"/>
+          <a:srcRect/>
+          <a:stretch>
+            <a:fillRect/>
+          </a:stretch>
+        </p:blipFill>
+        <p:spPr bwMode="auto">
+          <a:xfrm>
+            <a:off x="2928926" y="4929198"/>
+            <a:ext cx="3200000" cy="1800000"/>
+          </a:xfrm>
+          <a:prstGeom prst="rect">
+            <a:avLst/>
+          </a:prstGeom>
+          <a:noFill/>
+        </p:spPr>
+      </p:pic>
     </p:spTree>
   </p:cSld>
   <p:clrMapOvr>
@@ -6043,34 +6414,84 @@
         </p:nvSpPr>
         <p:spPr>
           <a:xfrm>
-            <a:off x="0" y="-142900"/>
-            <a:ext cx="9144000" cy="1399032"/>
-          </a:xfrm>
-        </p:spPr>
-        <p:txBody>
-          <a:bodyPr>
-            <a:normAutofit/>
-          </a:bodyPr>
-          <a:lstStyle/>
-          <a:p>
-            <a:r>
-              <a:rPr lang="ru-RU" sz="3600" dirty="0" smtClean="0"/>
-              <a:t>Будущий вектор развития проекта</a:t>
-            </a:r>
-            <a:endParaRPr lang="ru-RU" sz="3600" dirty="0"/>
-          </a:p>
-        </p:txBody>
-      </p:sp>
-      <p:sp>
-        <p:nvSpPr>
-          <p:cNvPr id="3" name="TextBox 2"/>
+            <a:off x="2285984" y="-357214"/>
+            <a:ext cx="8229600" cy="1399032"/>
+          </a:xfrm>
+        </p:spPr>
+        <p:txBody>
+          <a:bodyPr/>
+          <a:lstStyle/>
+          <a:p>
+            <a:r>
+              <a:rPr lang="ru-RU" dirty="0" smtClean="0"/>
+              <a:t>Персонажи</a:t>
+            </a:r>
+            <a:endParaRPr lang="ru-RU" dirty="0"/>
+          </a:p>
+        </p:txBody>
+      </p:sp>
+      <p:pic>
+        <p:nvPicPr>
+          <p:cNvPr id="3074" name="Picture 2" descr="C:\Users\User\pc_projects\pythonProject4\Character_st\1st.png"/>
+          <p:cNvPicPr>
+            <a:picLocks noChangeAspect="1" noChangeArrowheads="1"/>
+          </p:cNvPicPr>
+          <p:nvPr/>
+        </p:nvPicPr>
+        <p:blipFill>
+          <a:blip r:embed="rId2"/>
+          <a:srcRect/>
+          <a:stretch>
+            <a:fillRect/>
+          </a:stretch>
+        </p:blipFill>
+        <p:spPr bwMode="auto">
+          <a:xfrm>
+            <a:off x="714348" y="1785926"/>
+            <a:ext cx="1643074" cy="3286148"/>
+          </a:xfrm>
+          <a:prstGeom prst="rect">
+            <a:avLst/>
+          </a:prstGeom>
+          <a:noFill/>
+        </p:spPr>
+      </p:pic>
+      <p:pic>
+        <p:nvPicPr>
+          <p:cNvPr id="3075" name="Picture 3" descr="C:\Users\User\pc_projects\pythonProject4\Vurdalak_st\St_1.png"/>
+          <p:cNvPicPr>
+            <a:picLocks noChangeAspect="1" noChangeArrowheads="1"/>
+          </p:cNvPicPr>
+          <p:nvPr/>
+        </p:nvPicPr>
+        <p:blipFill>
+          <a:blip r:embed="rId3"/>
+          <a:srcRect/>
+          <a:stretch>
+            <a:fillRect/>
+          </a:stretch>
+        </p:blipFill>
+        <p:spPr bwMode="auto">
+          <a:xfrm>
+            <a:off x="5715008" y="1571612"/>
+            <a:ext cx="1535622" cy="3643338"/>
+          </a:xfrm>
+          <a:prstGeom prst="rect">
+            <a:avLst/>
+          </a:prstGeom>
+          <a:noFill/>
+        </p:spPr>
+      </p:pic>
+      <p:sp>
+        <p:nvSpPr>
+          <p:cNvPr id="5" name="TextBox 4"/>
           <p:cNvSpPr txBox="1"/>
           <p:nvPr/>
         </p:nvSpPr>
         <p:spPr>
           <a:xfrm>
-            <a:off x="500034" y="1071546"/>
-            <a:ext cx="6750566" cy="369332"/>
+            <a:off x="714348" y="5143512"/>
+            <a:ext cx="1691489" cy="369332"/>
           </a:xfrm>
           <a:prstGeom prst="rect">
             <a:avLst/>
@@ -6085,9 +6506,399 @@
           <a:p>
             <a:r>
               <a:rPr lang="ru-RU" dirty="0" smtClean="0"/>
-              <a:t>Добавление новых игровых возможностей, оптимизация.</a:t>
+              <a:t>Дед Максим</a:t>
             </a:r>
             <a:endParaRPr lang="ru-RU" dirty="0"/>
+          </a:p>
+        </p:txBody>
+      </p:sp>
+      <p:sp>
+        <p:nvSpPr>
+          <p:cNvPr id="6" name="TextBox 5"/>
+          <p:cNvSpPr txBox="1"/>
+          <p:nvPr/>
+        </p:nvSpPr>
+        <p:spPr>
+          <a:xfrm>
+            <a:off x="5715008" y="5214950"/>
+            <a:ext cx="1295547" cy="369332"/>
+          </a:xfrm>
+          <a:prstGeom prst="rect">
+            <a:avLst/>
+          </a:prstGeom>
+          <a:noFill/>
+        </p:spPr>
+        <p:txBody>
+          <a:bodyPr wrap="none" rtlCol="0">
+            <a:spAutoFit/>
+          </a:bodyPr>
+          <a:lstStyle/>
+          <a:p>
+            <a:r>
+              <a:rPr lang="ru-RU" dirty="0" smtClean="0"/>
+              <a:t>Вурдалак</a:t>
+            </a:r>
+            <a:endParaRPr lang="ru-RU" dirty="0"/>
+          </a:p>
+        </p:txBody>
+      </p:sp>
+      <p:sp>
+        <p:nvSpPr>
+          <p:cNvPr id="7" name="TextBox 6"/>
+          <p:cNvSpPr txBox="1"/>
+          <p:nvPr/>
+        </p:nvSpPr>
+        <p:spPr>
+          <a:xfrm>
+            <a:off x="2643174" y="1928802"/>
+            <a:ext cx="955711" cy="369332"/>
+          </a:xfrm>
+          <a:prstGeom prst="rect">
+            <a:avLst/>
+          </a:prstGeom>
+          <a:noFill/>
+        </p:spPr>
+        <p:txBody>
+          <a:bodyPr wrap="none" rtlCol="0">
+            <a:spAutoFit/>
+          </a:bodyPr>
+          <a:lstStyle/>
+          <a:p>
+            <a:r>
+              <a:rPr lang="en-US" dirty="0" smtClean="0"/>
+              <a:t>speed </a:t>
+            </a:r>
+            <a:endParaRPr lang="ru-RU" dirty="0"/>
+          </a:p>
+        </p:txBody>
+      </p:sp>
+      <p:sp>
+        <p:nvSpPr>
+          <p:cNvPr id="8" name="Прямоугольник 7"/>
+          <p:cNvSpPr/>
+          <p:nvPr/>
+        </p:nvSpPr>
+        <p:spPr>
+          <a:xfrm>
+            <a:off x="2786050" y="2357430"/>
+            <a:ext cx="428628" cy="428628"/>
+          </a:xfrm>
+          <a:prstGeom prst="rect">
+            <a:avLst/>
+          </a:prstGeom>
+        </p:spPr>
+        <p:style>
+          <a:lnRef idx="2">
+            <a:schemeClr val="accent1">
+              <a:shade val="50000"/>
+            </a:schemeClr>
+          </a:lnRef>
+          <a:fillRef idx="1">
+            <a:schemeClr val="accent1"/>
+          </a:fillRef>
+          <a:effectRef idx="0">
+            <a:schemeClr val="accent1"/>
+          </a:effectRef>
+          <a:fontRef idx="minor">
+            <a:schemeClr val="lt1"/>
+          </a:fontRef>
+        </p:style>
+        <p:txBody>
+          <a:bodyPr rtlCol="0" anchor="ctr"/>
+          <a:lstStyle/>
+          <a:p>
+            <a:pPr algn="ctr"/>
+            <a:endParaRPr lang="ru-RU"/>
+          </a:p>
+        </p:txBody>
+      </p:sp>
+      <p:sp>
+        <p:nvSpPr>
+          <p:cNvPr id="9" name="TextBox 8"/>
+          <p:cNvSpPr txBox="1"/>
+          <p:nvPr/>
+        </p:nvSpPr>
+        <p:spPr>
+          <a:xfrm>
+            <a:off x="7429520" y="1928802"/>
+            <a:ext cx="891591" cy="369332"/>
+          </a:xfrm>
+          <a:prstGeom prst="rect">
+            <a:avLst/>
+          </a:prstGeom>
+          <a:noFill/>
+        </p:spPr>
+        <p:txBody>
+          <a:bodyPr wrap="none" rtlCol="0">
+            <a:spAutoFit/>
+          </a:bodyPr>
+          <a:lstStyle/>
+          <a:p>
+            <a:r>
+              <a:rPr lang="en-US" dirty="0" smtClean="0"/>
+              <a:t>speed</a:t>
+            </a:r>
+            <a:endParaRPr lang="ru-RU" dirty="0"/>
+          </a:p>
+        </p:txBody>
+      </p:sp>
+      <p:sp>
+        <p:nvSpPr>
+          <p:cNvPr id="11" name="Прямоугольник 10"/>
+          <p:cNvSpPr/>
+          <p:nvPr/>
+        </p:nvSpPr>
+        <p:spPr>
+          <a:xfrm>
+            <a:off x="7500958" y="2428868"/>
+            <a:ext cx="428628" cy="428628"/>
+          </a:xfrm>
+          <a:prstGeom prst="rect">
+            <a:avLst/>
+          </a:prstGeom>
+        </p:spPr>
+        <p:style>
+          <a:lnRef idx="2">
+            <a:schemeClr val="accent1">
+              <a:shade val="50000"/>
+            </a:schemeClr>
+          </a:lnRef>
+          <a:fillRef idx="1">
+            <a:schemeClr val="accent1"/>
+          </a:fillRef>
+          <a:effectRef idx="0">
+            <a:schemeClr val="accent1"/>
+          </a:effectRef>
+          <a:fontRef idx="minor">
+            <a:schemeClr val="lt1"/>
+          </a:fontRef>
+        </p:style>
+        <p:txBody>
+          <a:bodyPr rtlCol="0" anchor="ctr"/>
+          <a:lstStyle/>
+          <a:p>
+            <a:pPr algn="ctr"/>
+            <a:endParaRPr lang="ru-RU"/>
+          </a:p>
+        </p:txBody>
+      </p:sp>
+      <p:sp>
+        <p:nvSpPr>
+          <p:cNvPr id="12" name="Прямоугольник 11"/>
+          <p:cNvSpPr/>
+          <p:nvPr/>
+        </p:nvSpPr>
+        <p:spPr>
+          <a:xfrm>
+            <a:off x="8001024" y="2428868"/>
+            <a:ext cx="428628" cy="428628"/>
+          </a:xfrm>
+          <a:prstGeom prst="rect">
+            <a:avLst/>
+          </a:prstGeom>
+        </p:spPr>
+        <p:style>
+          <a:lnRef idx="2">
+            <a:schemeClr val="accent1">
+              <a:shade val="50000"/>
+            </a:schemeClr>
+          </a:lnRef>
+          <a:fillRef idx="1">
+            <a:schemeClr val="accent1"/>
+          </a:fillRef>
+          <a:effectRef idx="0">
+            <a:schemeClr val="accent1"/>
+          </a:effectRef>
+          <a:fontRef idx="minor">
+            <a:schemeClr val="lt1"/>
+          </a:fontRef>
+        </p:style>
+        <p:txBody>
+          <a:bodyPr rtlCol="0" anchor="ctr"/>
+          <a:lstStyle/>
+          <a:p>
+            <a:pPr algn="ctr"/>
+            <a:endParaRPr lang="ru-RU"/>
+          </a:p>
+        </p:txBody>
+      </p:sp>
+      <p:sp>
+        <p:nvSpPr>
+          <p:cNvPr id="13" name="TextBox 12"/>
+          <p:cNvSpPr txBox="1"/>
+          <p:nvPr/>
+        </p:nvSpPr>
+        <p:spPr>
+          <a:xfrm>
+            <a:off x="2643174" y="3000372"/>
+            <a:ext cx="904415" cy="369332"/>
+          </a:xfrm>
+          <a:prstGeom prst="rect">
+            <a:avLst/>
+          </a:prstGeom>
+          <a:noFill/>
+        </p:spPr>
+        <p:txBody>
+          <a:bodyPr wrap="none" rtlCol="0">
+            <a:spAutoFit/>
+          </a:bodyPr>
+          <a:lstStyle/>
+          <a:p>
+            <a:r>
+              <a:rPr lang="en-US" dirty="0" smtClean="0"/>
+              <a:t>power</a:t>
+            </a:r>
+            <a:endParaRPr lang="ru-RU" dirty="0"/>
+          </a:p>
+        </p:txBody>
+      </p:sp>
+      <p:sp>
+        <p:nvSpPr>
+          <p:cNvPr id="14" name="TextBox 13"/>
+          <p:cNvSpPr txBox="1"/>
+          <p:nvPr/>
+        </p:nvSpPr>
+        <p:spPr>
+          <a:xfrm>
+            <a:off x="7429520" y="3071810"/>
+            <a:ext cx="904415" cy="369332"/>
+          </a:xfrm>
+          <a:prstGeom prst="rect">
+            <a:avLst/>
+          </a:prstGeom>
+          <a:noFill/>
+        </p:spPr>
+        <p:txBody>
+          <a:bodyPr wrap="none" rtlCol="0">
+            <a:spAutoFit/>
+          </a:bodyPr>
+          <a:lstStyle/>
+          <a:p>
+            <a:r>
+              <a:rPr lang="en-US" dirty="0" smtClean="0"/>
+              <a:t>power</a:t>
+            </a:r>
+            <a:endParaRPr lang="ru-RU" dirty="0"/>
+          </a:p>
+        </p:txBody>
+      </p:sp>
+      <p:sp>
+        <p:nvSpPr>
+          <p:cNvPr id="15" name="Прямоугольник 14"/>
+          <p:cNvSpPr/>
+          <p:nvPr/>
+        </p:nvSpPr>
+        <p:spPr>
+          <a:xfrm>
+            <a:off x="2786050" y="3429000"/>
+            <a:ext cx="428628" cy="428628"/>
+          </a:xfrm>
+          <a:prstGeom prst="rect">
+            <a:avLst/>
+          </a:prstGeom>
+        </p:spPr>
+        <p:style>
+          <a:lnRef idx="2">
+            <a:schemeClr val="accent6">
+              <a:shade val="50000"/>
+            </a:schemeClr>
+          </a:lnRef>
+          <a:fillRef idx="1">
+            <a:schemeClr val="accent6"/>
+          </a:fillRef>
+          <a:effectRef idx="0">
+            <a:schemeClr val="accent6"/>
+          </a:effectRef>
+          <a:fontRef idx="minor">
+            <a:schemeClr val="lt1"/>
+          </a:fontRef>
+        </p:style>
+        <p:txBody>
+          <a:bodyPr rtlCol="0" anchor="ctr"/>
+          <a:lstStyle/>
+          <a:p>
+            <a:pPr algn="ctr"/>
+            <a:endParaRPr lang="ru-RU"/>
+          </a:p>
+        </p:txBody>
+      </p:sp>
+      <p:sp>
+        <p:nvSpPr>
+          <p:cNvPr id="16" name="Прямоугольник 15"/>
+          <p:cNvSpPr/>
+          <p:nvPr/>
+        </p:nvSpPr>
+        <p:spPr>
+          <a:xfrm>
+            <a:off x="3286116" y="3429000"/>
+            <a:ext cx="428628" cy="428628"/>
+          </a:xfrm>
+          <a:prstGeom prst="rect">
+            <a:avLst/>
+          </a:prstGeom>
+        </p:spPr>
+        <p:style>
+          <a:lnRef idx="2">
+            <a:schemeClr val="accent6">
+              <a:shade val="50000"/>
+            </a:schemeClr>
+          </a:lnRef>
+          <a:fillRef idx="1">
+            <a:schemeClr val="accent6"/>
+          </a:fillRef>
+          <a:effectRef idx="0">
+            <a:schemeClr val="accent6"/>
+          </a:effectRef>
+          <a:fontRef idx="minor">
+            <a:schemeClr val="lt1"/>
+          </a:fontRef>
+        </p:style>
+        <p:txBody>
+          <a:bodyPr rtlCol="0" anchor="ctr"/>
+          <a:lstStyle/>
+          <a:p>
+            <a:pPr algn="ctr"/>
+            <a:endParaRPr lang="ru-RU"/>
+          </a:p>
+        </p:txBody>
+      </p:sp>
+      <p:sp>
+        <p:nvSpPr>
+          <p:cNvPr id="17" name="Прямоугольник 16"/>
+          <p:cNvSpPr/>
+          <p:nvPr/>
+        </p:nvSpPr>
+        <p:spPr>
+          <a:xfrm>
+            <a:off x="7572396" y="3429000"/>
+            <a:ext cx="428628" cy="428628"/>
+          </a:xfrm>
+          <a:prstGeom prst="rect">
+            <a:avLst/>
+          </a:prstGeom>
+        </p:spPr>
+        <p:style>
+          <a:lnRef idx="2">
+            <a:schemeClr val="accent6">
+              <a:shade val="50000"/>
+            </a:schemeClr>
+          </a:lnRef>
+          <a:fillRef idx="1">
+            <a:schemeClr val="accent6"/>
+          </a:fillRef>
+          <a:effectRef idx="0">
+            <a:schemeClr val="accent6"/>
+          </a:effectRef>
+          <a:fontRef idx="minor">
+            <a:schemeClr val="lt1"/>
+          </a:fontRef>
+        </p:style>
+        <p:txBody>
+          <a:bodyPr rtlCol="0" anchor="ctr"/>
+          <a:lstStyle/>
+          <a:p>
+            <a:pPr algn="ctr"/>
+            <a:endParaRPr lang="ru-RU"/>
           </a:p>
         </p:txBody>
       </p:sp>
@@ -6126,6 +6937,39 @@
           <a:chExt cx="0" cy="0"/>
         </a:xfrm>
       </p:grpSpPr>
+      <p:pic>
+        <p:nvPicPr>
+          <p:cNvPr id="2050" name="Picture 2"/>
+          <p:cNvPicPr>
+            <a:picLocks noChangeAspect="1" noChangeArrowheads="1"/>
+          </p:cNvPicPr>
+          <p:nvPr/>
+        </p:nvPicPr>
+        <p:blipFill>
+          <a:blip r:embed="rId2"/>
+          <a:srcRect/>
+          <a:stretch>
+            <a:fillRect/>
+          </a:stretch>
+        </p:blipFill>
+        <p:spPr bwMode="auto">
+          <a:xfrm>
+            <a:off x="214282" y="1357298"/>
+            <a:ext cx="8633725" cy="4856400"/>
+          </a:xfrm>
+          <a:prstGeom prst="rect">
+            <a:avLst/>
+          </a:prstGeom>
+          <a:noFill/>
+          <a:ln w="9525">
+            <a:noFill/>
+            <a:miter lim="800000"/>
+            <a:headEnd/>
+            <a:tailEnd/>
+          </a:ln>
+          <a:effectLst/>
+        </p:spPr>
+      </p:pic>
       <p:sp>
         <p:nvSpPr>
           <p:cNvPr id="2" name="Заголовок 1"/>
@@ -6138,7 +6982,7 @@
         </p:nvSpPr>
         <p:spPr>
           <a:xfrm>
-            <a:off x="285720" y="2143116"/>
+            <a:off x="1714480" y="-357214"/>
             <a:ext cx="8229600" cy="1399032"/>
           </a:xfrm>
         </p:spPr>
@@ -6146,12 +6990,239 @@
           <a:bodyPr/>
           <a:lstStyle/>
           <a:p>
-            <a:pPr algn="ctr"/>
             <a:r>
               <a:rPr lang="ru-RU" dirty="0" smtClean="0"/>
-              <a:t>Спасибо за внимание!</a:t>
+              <a:t>Процесс игры</a:t>
             </a:r>
             <a:endParaRPr lang="ru-RU" dirty="0"/>
+          </a:p>
+        </p:txBody>
+      </p:sp>
+      <p:sp>
+        <p:nvSpPr>
+          <p:cNvPr id="5" name="Заголовок 1"/>
+          <p:cNvSpPr txBox="1">
+            <a:spLocks/>
+          </p:cNvSpPr>
+          <p:nvPr/>
+        </p:nvSpPr>
+        <p:spPr>
+          <a:xfrm>
+            <a:off x="2500298" y="142852"/>
+            <a:ext cx="8229600" cy="1399032"/>
+          </a:xfrm>
+          <a:prstGeom prst="rect">
+            <a:avLst/>
+          </a:prstGeom>
+        </p:spPr>
+        <p:txBody>
+          <a:bodyPr vert="horz" anchor="ctr">
+            <a:normAutofit/>
+          </a:bodyPr>
+          <a:lstStyle/>
+          <a:p>
+            <a:pPr marL="484632" marR="0" lvl="0" indent="0" algn="l" defTabSz="914400" rtl="0" eaLnBrk="1" fontAlgn="auto" latinLnBrk="0" hangingPunct="1">
+              <a:lnSpc>
+                <a:spcPct val="100000"/>
+              </a:lnSpc>
+              <a:spcBef>
+                <a:spcPct val="0"/>
+              </a:spcBef>
+              <a:spcAft>
+                <a:spcPts val="0"/>
+              </a:spcAft>
+              <a:buClrTx/>
+              <a:buSzTx/>
+              <a:buFontTx/>
+              <a:buNone/>
+              <a:tabLst/>
+              <a:defRPr/>
+            </a:pPr>
+            <a:r>
+              <a:rPr lang="ru-RU" sz="4200" dirty="0" smtClean="0">
+                <a:ln w="6350">
+                  <a:solidFill>
+                    <a:schemeClr val="accent1">
+                      <a:shade val="43000"/>
+                    </a:schemeClr>
+                  </a:solidFill>
+                </a:ln>
+                <a:solidFill>
+                  <a:schemeClr val="accent1">
+                    <a:tint val="83000"/>
+                    <a:satMod val="150000"/>
+                  </a:schemeClr>
+                </a:solidFill>
+                <a:effectLst>
+                  <a:outerShdw blurRad="26000" dist="26000" dir="14500000" algn="tl" rotWithShape="0">
+                    <a:srgbClr val="000000">
+                      <a:alpha val="40000"/>
+                    </a:srgbClr>
+                  </a:outerShdw>
+                </a:effectLst>
+                <a:latin typeface="+mj-lt"/>
+                <a:ea typeface="+mj-ea"/>
+                <a:cs typeface="+mj-cs"/>
+              </a:rPr>
+              <a:t>Начало</a:t>
+            </a:r>
+            <a:endParaRPr kumimoji="0" lang="ru-RU" sz="4200" b="0" i="0" u="none" strike="noStrike" kern="1200" cap="none" spc="0" normalizeH="0" baseline="0" noProof="0" dirty="0">
+              <a:ln w="6350">
+                <a:solidFill>
+                  <a:schemeClr val="accent1">
+                    <a:shade val="43000"/>
+                  </a:schemeClr>
+                </a:solidFill>
+              </a:ln>
+              <a:solidFill>
+                <a:schemeClr val="accent1">
+                  <a:tint val="83000"/>
+                  <a:satMod val="150000"/>
+                </a:schemeClr>
+              </a:solidFill>
+              <a:effectLst>
+                <a:outerShdw blurRad="26000" dist="26000" dir="14500000" algn="tl" rotWithShape="0">
+                  <a:srgbClr val="000000">
+                    <a:alpha val="40000"/>
+                  </a:srgbClr>
+                </a:outerShdw>
+              </a:effectLst>
+              <a:uLnTx/>
+              <a:uFillTx/>
+              <a:latin typeface="+mj-lt"/>
+              <a:ea typeface="+mj-ea"/>
+              <a:cs typeface="+mj-cs"/>
+            </a:endParaRPr>
+          </a:p>
+        </p:txBody>
+      </p:sp>
+      <p:cxnSp>
+        <p:nvCxnSpPr>
+          <p:cNvPr id="7" name="Прямая со стрелкой 6"/>
+          <p:cNvCxnSpPr/>
+          <p:nvPr/>
+        </p:nvCxnSpPr>
+        <p:spPr>
+          <a:xfrm rot="5400000" flipH="1" flipV="1">
+            <a:off x="3929058" y="1571612"/>
+            <a:ext cx="500066" cy="500066"/>
+          </a:xfrm>
+          <a:prstGeom prst="straightConnector1">
+            <a:avLst/>
+          </a:prstGeom>
+          <a:ln>
+            <a:tailEnd type="arrow"/>
+          </a:ln>
+        </p:spPr>
+        <p:style>
+          <a:lnRef idx="3">
+            <a:schemeClr val="accent6"/>
+          </a:lnRef>
+          <a:fillRef idx="0">
+            <a:schemeClr val="accent6"/>
+          </a:fillRef>
+          <a:effectRef idx="2">
+            <a:schemeClr val="accent6"/>
+          </a:effectRef>
+          <a:fontRef idx="minor">
+            <a:schemeClr val="tx1"/>
+          </a:fontRef>
+        </p:style>
+      </p:cxnSp>
+      <p:sp>
+        <p:nvSpPr>
+          <p:cNvPr id="10" name="TextBox 9"/>
+          <p:cNvSpPr txBox="1"/>
+          <p:nvPr/>
+        </p:nvSpPr>
+        <p:spPr>
+          <a:xfrm>
+            <a:off x="3071802" y="2143116"/>
+            <a:ext cx="1733167" cy="261610"/>
+          </a:xfrm>
+          <a:prstGeom prst="rect">
+            <a:avLst/>
+          </a:prstGeom>
+          <a:solidFill>
+            <a:schemeClr val="tx2">
+              <a:lumMod val="10000"/>
+            </a:schemeClr>
+          </a:solidFill>
+        </p:spPr>
+        <p:txBody>
+          <a:bodyPr wrap="none" rtlCol="0">
+            <a:spAutoFit/>
+          </a:bodyPr>
+          <a:lstStyle/>
+          <a:p>
+            <a:r>
+              <a:rPr lang="ru-RU" sz="1100" dirty="0" smtClean="0"/>
+              <a:t>Возвращение в меню</a:t>
+            </a:r>
+            <a:endParaRPr lang="ru-RU" sz="1100" dirty="0"/>
+          </a:p>
+        </p:txBody>
+      </p:sp>
+      <p:cxnSp>
+        <p:nvCxnSpPr>
+          <p:cNvPr id="13" name="Прямая со стрелкой 12"/>
+          <p:cNvCxnSpPr/>
+          <p:nvPr/>
+        </p:nvCxnSpPr>
+        <p:spPr>
+          <a:xfrm rot="10800000">
+            <a:off x="4929190" y="1643050"/>
+            <a:ext cx="500066" cy="428628"/>
+          </a:xfrm>
+          <a:prstGeom prst="straightConnector1">
+            <a:avLst/>
+          </a:prstGeom>
+          <a:ln>
+            <a:tailEnd type="arrow"/>
+          </a:ln>
+        </p:spPr>
+        <p:style>
+          <a:lnRef idx="3">
+            <a:schemeClr val="accent6"/>
+          </a:lnRef>
+          <a:fillRef idx="0">
+            <a:schemeClr val="accent6"/>
+          </a:fillRef>
+          <a:effectRef idx="2">
+            <a:schemeClr val="accent6"/>
+          </a:effectRef>
+          <a:fontRef idx="minor">
+            <a:schemeClr val="tx1"/>
+          </a:fontRef>
+        </p:style>
+      </p:cxnSp>
+      <p:sp>
+        <p:nvSpPr>
+          <p:cNvPr id="15" name="TextBox 14"/>
+          <p:cNvSpPr txBox="1"/>
+          <p:nvPr/>
+        </p:nvSpPr>
+        <p:spPr>
+          <a:xfrm>
+            <a:off x="5214942" y="2000240"/>
+            <a:ext cx="607859" cy="261610"/>
+          </a:xfrm>
+          <a:prstGeom prst="rect">
+            <a:avLst/>
+          </a:prstGeom>
+          <a:noFill/>
+        </p:spPr>
+        <p:txBody>
+          <a:bodyPr wrap="none" rtlCol="0">
+            <a:spAutoFit/>
+          </a:bodyPr>
+          <a:lstStyle/>
+          <a:p>
+            <a:r>
+              <a:rPr lang="ru-RU" sz="1100" dirty="0" smtClean="0"/>
+              <a:t>Пауза</a:t>
+            </a:r>
+            <a:endParaRPr lang="ru-RU" sz="1100" dirty="0"/>
           </a:p>
         </p:txBody>
       </p:sp>
